--- a/Results/QC/QC_plots.pptx
+++ b/Results/QC/QC_plots.pptx
@@ -2,7 +2,7 @@
 <file path=ppt/presentation.xml><?xml version="1.0" encoding="utf-8"?>
 <p:presentation xmlns:a="http://schemas.openxmlformats.org/drawingml/2006/main" xmlns:r="http://schemas.openxmlformats.org/officeDocument/2006/relationships" xmlns:p="http://schemas.openxmlformats.org/presentationml/2006/main" saveSubsetFonts="1" autoCompressPictures="0">
   <p:sldMasterIdLst>
-    <p:sldMasterId id="2147483720" r:id="rId1"/>
+    <p:sldMasterId id="2147483744" r:id="rId1"/>
   </p:sldMasterIdLst>
   <p:notesMasterIdLst>
     <p:notesMasterId r:id="rId4"/>
@@ -11,7 +11,7 @@
     <p:sldId id="256" r:id="rId2"/>
     <p:sldId id="257" r:id="rId3"/>
   </p:sldIdLst>
-  <p:sldSz cx="16200438" cy="11520488"/>
+  <p:sldSz cx="16200438" cy="16200438"/>
   <p:notesSz cx="6858000" cy="9144000"/>
   <p:defaultTextStyle>
     <a:defPPr>
@@ -108,6 +108,11 @@
       </a:defRPr>
     </a:lvl9pPr>
   </p:defaultTextStyle>
+  <p:extLst>
+    <p:ext uri="{EFAFB233-063F-42B5-8137-9DF3F51BA10A}">
+      <p15:sldGuideLst xmlns:p15="http://schemas.microsoft.com/office/powerpoint/2012/main"/>
+    </p:ext>
+  </p:extLst>
 </p:presentation>
 </file>
 
@@ -193,7 +198,7 @@
           <a:p>
             <a:fld id="{703C12DC-EBAA-6546-90FB-8D9862FE144A}" type="datetimeFigureOut">
               <a:rPr lang="en-US" smtClean="0"/>
-              <a:t>3/1/18</a:t>
+              <a:t>6/12/18</a:t>
             </a:fld>
             <a:endParaRPr lang="en-US"/>
           </a:p>
@@ -211,8 +216,8 @@
         </p:nvSpPr>
         <p:spPr>
           <a:xfrm>
-            <a:off x="1258888" y="1143000"/>
-            <a:ext cx="4340225" cy="3086100"/>
+            <a:off x="1885950" y="1143000"/>
+            <a:ext cx="3086100" cy="3086100"/>
           </a:xfrm>
           <a:prstGeom prst="rect">
             <a:avLst/>
@@ -487,7 +492,12 @@
             <p:ph type="sldImg"/>
           </p:nvPr>
         </p:nvSpPr>
-        <p:spPr/>
+        <p:spPr>
+          <a:xfrm>
+            <a:off x="1885950" y="1143000"/>
+            <a:ext cx="3086100" cy="3086100"/>
+          </a:xfrm>
+        </p:spPr>
       </p:sp>
       <p:sp>
         <p:nvSpPr>
@@ -535,6 +545,95 @@
     <p:extLst>
       <p:ext uri="{BB962C8B-B14F-4D97-AF65-F5344CB8AC3E}">
         <p14:creationId xmlns:p14="http://schemas.microsoft.com/office/powerpoint/2010/main" val="2021796269"/>
+      </p:ext>
+    </p:extLst>
+  </p:cSld>
+  <p:clrMapOvr>
+    <a:masterClrMapping/>
+  </p:clrMapOvr>
+</p:notes>
+</file>
+
+<file path=ppt/notesSlides/notesSlide2.xml><?xml version="1.0" encoding="utf-8"?>
+<p:notes xmlns:a="http://schemas.openxmlformats.org/drawingml/2006/main" xmlns:r="http://schemas.openxmlformats.org/officeDocument/2006/relationships" xmlns:p="http://schemas.openxmlformats.org/presentationml/2006/main">
+  <p:cSld>
+    <p:spTree>
+      <p:nvGrpSpPr>
+        <p:cNvPr id="1" name=""/>
+        <p:cNvGrpSpPr/>
+        <p:nvPr/>
+      </p:nvGrpSpPr>
+      <p:grpSpPr>
+        <a:xfrm>
+          <a:off x="0" y="0"/>
+          <a:ext cx="0" cy="0"/>
+          <a:chOff x="0" y="0"/>
+          <a:chExt cx="0" cy="0"/>
+        </a:xfrm>
+      </p:grpSpPr>
+      <p:sp>
+        <p:nvSpPr>
+          <p:cNvPr id="2" name="Slide Image Placeholder 1"/>
+          <p:cNvSpPr>
+            <a:spLocks noGrp="1" noRot="1" noChangeAspect="1"/>
+          </p:cNvSpPr>
+          <p:nvPr>
+            <p:ph type="sldImg"/>
+          </p:nvPr>
+        </p:nvSpPr>
+        <p:spPr>
+          <a:xfrm>
+            <a:off x="1885950" y="1143000"/>
+            <a:ext cx="3086100" cy="3086100"/>
+          </a:xfrm>
+        </p:spPr>
+      </p:sp>
+      <p:sp>
+        <p:nvSpPr>
+          <p:cNvPr id="3" name="Notes Placeholder 2"/>
+          <p:cNvSpPr>
+            <a:spLocks noGrp="1"/>
+          </p:cNvSpPr>
+          <p:nvPr>
+            <p:ph type="body" idx="1"/>
+          </p:nvPr>
+        </p:nvSpPr>
+        <p:spPr/>
+        <p:txBody>
+          <a:bodyPr/>
+          <a:lstStyle/>
+          <a:p>
+            <a:endParaRPr lang="en-US" dirty="0"/>
+          </a:p>
+        </p:txBody>
+      </p:sp>
+      <p:sp>
+        <p:nvSpPr>
+          <p:cNvPr id="4" name="Slide Number Placeholder 3"/>
+          <p:cNvSpPr>
+            <a:spLocks noGrp="1"/>
+          </p:cNvSpPr>
+          <p:nvPr>
+            <p:ph type="sldNum" sz="quarter" idx="10"/>
+          </p:nvPr>
+        </p:nvSpPr>
+        <p:spPr/>
+        <p:txBody>
+          <a:bodyPr/>
+          <a:lstStyle/>
+          <a:p>
+            <a:fld id="{434B0DAC-E923-DB4E-9756-09221AD11250}" type="slidenum">
+              <a:rPr lang="en-US" smtClean="0"/>
+              <a:t>2</a:t>
+            </a:fld>
+            <a:endParaRPr lang="en-US"/>
+          </a:p>
+        </p:txBody>
+      </p:sp>
+    </p:spTree>
+    <p:extLst>
+      <p:ext uri="{BB962C8B-B14F-4D97-AF65-F5344CB8AC3E}">
+        <p14:creationId xmlns:p14="http://schemas.microsoft.com/office/powerpoint/2010/main" val="3464243101"/>
       </p:ext>
     </p:extLst>
   </p:cSld>
@@ -573,15 +672,15 @@
         </p:nvSpPr>
         <p:spPr>
           <a:xfrm>
-            <a:off x="1215033" y="1885414"/>
-            <a:ext cx="13770372" cy="4010837"/>
+            <a:off x="1215033" y="2651323"/>
+            <a:ext cx="13770372" cy="5640152"/>
           </a:xfrm>
         </p:spPr>
         <p:txBody>
           <a:bodyPr anchor="b"/>
           <a:lstStyle>
             <a:lvl1pPr algn="ctr">
-              <a:defRPr sz="10079"/>
+              <a:defRPr sz="10630"/>
             </a:lvl1pPr>
           </a:lstStyle>
           <a:p>
@@ -605,8 +704,8 @@
         </p:nvSpPr>
         <p:spPr>
           <a:xfrm>
-            <a:off x="2025055" y="6050924"/>
-            <a:ext cx="12150329" cy="2781450"/>
+            <a:off x="2025055" y="8508981"/>
+            <a:ext cx="12150329" cy="3911355"/>
           </a:xfrm>
         </p:spPr>
         <p:txBody>
@@ -614,39 +713,39 @@
           <a:lstStyle>
             <a:lvl1pPr marL="0" indent="0" algn="ctr">
               <a:buNone/>
-              <a:defRPr sz="4032"/>
+              <a:defRPr sz="4252"/>
             </a:lvl1pPr>
-            <a:lvl2pPr marL="768050" indent="0" algn="ctr">
-              <a:buNone/>
-              <a:defRPr sz="3360"/>
+            <a:lvl2pPr marL="810021" indent="0" algn="ctr">
+              <a:buNone/>
+              <a:defRPr sz="3543"/>
             </a:lvl2pPr>
-            <a:lvl3pPr marL="1536101" indent="0" algn="ctr">
-              <a:buNone/>
-              <a:defRPr sz="3024"/>
+            <a:lvl3pPr marL="1620042" indent="0" algn="ctr">
+              <a:buNone/>
+              <a:defRPr sz="3189"/>
             </a:lvl3pPr>
-            <a:lvl4pPr marL="2304151" indent="0" algn="ctr">
-              <a:buNone/>
-              <a:defRPr sz="2688"/>
+            <a:lvl4pPr marL="2430064" indent="0" algn="ctr">
+              <a:buNone/>
+              <a:defRPr sz="2835"/>
             </a:lvl4pPr>
-            <a:lvl5pPr marL="3072201" indent="0" algn="ctr">
-              <a:buNone/>
-              <a:defRPr sz="2688"/>
+            <a:lvl5pPr marL="3240085" indent="0" algn="ctr">
+              <a:buNone/>
+              <a:defRPr sz="2835"/>
             </a:lvl5pPr>
-            <a:lvl6pPr marL="3840251" indent="0" algn="ctr">
-              <a:buNone/>
-              <a:defRPr sz="2688"/>
+            <a:lvl6pPr marL="4050106" indent="0" algn="ctr">
+              <a:buNone/>
+              <a:defRPr sz="2835"/>
             </a:lvl6pPr>
-            <a:lvl7pPr marL="4608302" indent="0" algn="ctr">
-              <a:buNone/>
-              <a:defRPr sz="2688"/>
+            <a:lvl7pPr marL="4860127" indent="0" algn="ctr">
+              <a:buNone/>
+              <a:defRPr sz="2835"/>
             </a:lvl7pPr>
-            <a:lvl8pPr marL="5376352" indent="0" algn="ctr">
-              <a:buNone/>
-              <a:defRPr sz="2688"/>
+            <a:lvl8pPr marL="5670149" indent="0" algn="ctr">
+              <a:buNone/>
+              <a:defRPr sz="2835"/>
             </a:lvl8pPr>
-            <a:lvl9pPr marL="6144402" indent="0" algn="ctr">
-              <a:buNone/>
-              <a:defRPr sz="2688"/>
+            <a:lvl9pPr marL="6480170" indent="0" algn="ctr">
+              <a:buNone/>
+              <a:defRPr sz="2835"/>
             </a:lvl9pPr>
           </a:lstStyle>
           <a:p>
@@ -675,7 +774,7 @@
           <a:p>
             <a:fld id="{1FDA78BB-F94E-C747-BCB3-AA8F33FBD331}" type="datetimeFigureOut">
               <a:rPr lang="en-US" smtClean="0"/>
-              <a:t>3/1/18</a:t>
+              <a:t>6/12/18</a:t>
             </a:fld>
             <a:endParaRPr lang="en-US"/>
           </a:p>
@@ -726,7 +825,7 @@
     </p:spTree>
     <p:extLst>
       <p:ext uri="{BB962C8B-B14F-4D97-AF65-F5344CB8AC3E}">
-        <p14:creationId xmlns:p14="http://schemas.microsoft.com/office/powerpoint/2010/main" val="1132347135"/>
+        <p14:creationId xmlns:p14="http://schemas.microsoft.com/office/powerpoint/2010/main" val="767645512"/>
       </p:ext>
     </p:extLst>
   </p:cSld>
@@ -845,7 +944,7 @@
           <a:p>
             <a:fld id="{1FDA78BB-F94E-C747-BCB3-AA8F33FBD331}" type="datetimeFigureOut">
               <a:rPr lang="en-US" smtClean="0"/>
-              <a:t>3/1/18</a:t>
+              <a:t>6/12/18</a:t>
             </a:fld>
             <a:endParaRPr lang="en-US"/>
           </a:p>
@@ -896,7 +995,7 @@
     </p:spTree>
     <p:extLst>
       <p:ext uri="{BB962C8B-B14F-4D97-AF65-F5344CB8AC3E}">
-        <p14:creationId xmlns:p14="http://schemas.microsoft.com/office/powerpoint/2010/main" val="643951320"/>
+        <p14:creationId xmlns:p14="http://schemas.microsoft.com/office/powerpoint/2010/main" val="1495136452"/>
       </p:ext>
     </p:extLst>
   </p:cSld>
@@ -935,8 +1034,8 @@
         </p:nvSpPr>
         <p:spPr>
           <a:xfrm>
-            <a:off x="11593440" y="613359"/>
-            <a:ext cx="3493219" cy="9763081"/>
+            <a:off x="11593440" y="862524"/>
+            <a:ext cx="3493219" cy="13729122"/>
           </a:xfrm>
         </p:spPr>
         <p:txBody>
@@ -963,8 +1062,8 @@
         </p:nvSpPr>
         <p:spPr>
           <a:xfrm>
-            <a:off x="1113781" y="613359"/>
-            <a:ext cx="10277153" cy="9763081"/>
+            <a:off x="1113781" y="862524"/>
+            <a:ext cx="10277153" cy="13729122"/>
           </a:xfrm>
         </p:spPr>
         <p:txBody>
@@ -1025,7 +1124,7 @@
           <a:p>
             <a:fld id="{1FDA78BB-F94E-C747-BCB3-AA8F33FBD331}" type="datetimeFigureOut">
               <a:rPr lang="en-US" smtClean="0"/>
-              <a:t>3/1/18</a:t>
+              <a:t>6/12/18</a:t>
             </a:fld>
             <a:endParaRPr lang="en-US"/>
           </a:p>
@@ -1076,7 +1175,7 @@
     </p:spTree>
     <p:extLst>
       <p:ext uri="{BB962C8B-B14F-4D97-AF65-F5344CB8AC3E}">
-        <p14:creationId xmlns:p14="http://schemas.microsoft.com/office/powerpoint/2010/main" val="2636653136"/>
+        <p14:creationId xmlns:p14="http://schemas.microsoft.com/office/powerpoint/2010/main" val="3808432397"/>
       </p:ext>
     </p:extLst>
   </p:cSld>
@@ -1195,7 +1294,7 @@
           <a:p>
             <a:fld id="{1FDA78BB-F94E-C747-BCB3-AA8F33FBD331}" type="datetimeFigureOut">
               <a:rPr lang="en-US" smtClean="0"/>
-              <a:t>3/1/18</a:t>
+              <a:t>6/12/18</a:t>
             </a:fld>
             <a:endParaRPr lang="en-US"/>
           </a:p>
@@ -1246,7 +1345,7 @@
     </p:spTree>
     <p:extLst>
       <p:ext uri="{BB962C8B-B14F-4D97-AF65-F5344CB8AC3E}">
-        <p14:creationId xmlns:p14="http://schemas.microsoft.com/office/powerpoint/2010/main" val="2369272659"/>
+        <p14:creationId xmlns:p14="http://schemas.microsoft.com/office/powerpoint/2010/main" val="2243528991"/>
       </p:ext>
     </p:extLst>
   </p:cSld>
@@ -1285,15 +1384,15 @@
         </p:nvSpPr>
         <p:spPr>
           <a:xfrm>
-            <a:off x="1105343" y="2872125"/>
-            <a:ext cx="13972878" cy="4792202"/>
+            <a:off x="1105343" y="4038864"/>
+            <a:ext cx="13972878" cy="6738931"/>
           </a:xfrm>
         </p:spPr>
         <p:txBody>
           <a:bodyPr anchor="b"/>
           <a:lstStyle>
             <a:lvl1pPr>
-              <a:defRPr sz="10079"/>
+              <a:defRPr sz="10630"/>
             </a:lvl1pPr>
           </a:lstStyle>
           <a:p>
@@ -1317,8 +1416,8 @@
         </p:nvSpPr>
         <p:spPr>
           <a:xfrm>
-            <a:off x="1105343" y="7709663"/>
-            <a:ext cx="13972878" cy="2520106"/>
+            <a:off x="1105343" y="10841548"/>
+            <a:ext cx="13972878" cy="3543845"/>
           </a:xfrm>
         </p:spPr>
         <p:txBody>
@@ -1326,15 +1425,15 @@
           <a:lstStyle>
             <a:lvl1pPr marL="0" indent="0">
               <a:buNone/>
-              <a:defRPr sz="4032">
+              <a:defRPr sz="4252">
                 <a:solidFill>
                   <a:schemeClr val="tx1"/>
                 </a:solidFill>
               </a:defRPr>
             </a:lvl1pPr>
-            <a:lvl2pPr marL="768050" indent="0">
-              <a:buNone/>
-              <a:defRPr sz="3360">
+            <a:lvl2pPr marL="810021" indent="0">
+              <a:buNone/>
+              <a:defRPr sz="3543">
                 <a:solidFill>
                   <a:schemeClr val="tx1">
                     <a:tint val="75000"/>
@@ -1342,9 +1441,9 @@
                 </a:solidFill>
               </a:defRPr>
             </a:lvl2pPr>
-            <a:lvl3pPr marL="1536101" indent="0">
-              <a:buNone/>
-              <a:defRPr sz="3024">
+            <a:lvl3pPr marL="1620042" indent="0">
+              <a:buNone/>
+              <a:defRPr sz="3189">
                 <a:solidFill>
                   <a:schemeClr val="tx1">
                     <a:tint val="75000"/>
@@ -1352,9 +1451,9 @@
                 </a:solidFill>
               </a:defRPr>
             </a:lvl3pPr>
-            <a:lvl4pPr marL="2304151" indent="0">
-              <a:buNone/>
-              <a:defRPr sz="2688">
+            <a:lvl4pPr marL="2430064" indent="0">
+              <a:buNone/>
+              <a:defRPr sz="2835">
                 <a:solidFill>
                   <a:schemeClr val="tx1">
                     <a:tint val="75000"/>
@@ -1362,9 +1461,9 @@
                 </a:solidFill>
               </a:defRPr>
             </a:lvl4pPr>
-            <a:lvl5pPr marL="3072201" indent="0">
-              <a:buNone/>
-              <a:defRPr sz="2688">
+            <a:lvl5pPr marL="3240085" indent="0">
+              <a:buNone/>
+              <a:defRPr sz="2835">
                 <a:solidFill>
                   <a:schemeClr val="tx1">
                     <a:tint val="75000"/>
@@ -1372,9 +1471,9 @@
                 </a:solidFill>
               </a:defRPr>
             </a:lvl5pPr>
-            <a:lvl6pPr marL="3840251" indent="0">
-              <a:buNone/>
-              <a:defRPr sz="2688">
+            <a:lvl6pPr marL="4050106" indent="0">
+              <a:buNone/>
+              <a:defRPr sz="2835">
                 <a:solidFill>
                   <a:schemeClr val="tx1">
                     <a:tint val="75000"/>
@@ -1382,9 +1481,9 @@
                 </a:solidFill>
               </a:defRPr>
             </a:lvl6pPr>
-            <a:lvl7pPr marL="4608302" indent="0">
-              <a:buNone/>
-              <a:defRPr sz="2688">
+            <a:lvl7pPr marL="4860127" indent="0">
+              <a:buNone/>
+              <a:defRPr sz="2835">
                 <a:solidFill>
                   <a:schemeClr val="tx1">
                     <a:tint val="75000"/>
@@ -1392,9 +1491,9 @@
                 </a:solidFill>
               </a:defRPr>
             </a:lvl7pPr>
-            <a:lvl8pPr marL="5376352" indent="0">
-              <a:buNone/>
-              <a:defRPr sz="2688">
+            <a:lvl8pPr marL="5670149" indent="0">
+              <a:buNone/>
+              <a:defRPr sz="2835">
                 <a:solidFill>
                   <a:schemeClr val="tx1">
                     <a:tint val="75000"/>
@@ -1402,9 +1501,9 @@
                 </a:solidFill>
               </a:defRPr>
             </a:lvl8pPr>
-            <a:lvl9pPr marL="6144402" indent="0">
-              <a:buNone/>
-              <a:defRPr sz="2688">
+            <a:lvl9pPr marL="6480170" indent="0">
+              <a:buNone/>
+              <a:defRPr sz="2835">
                 <a:solidFill>
                   <a:schemeClr val="tx1">
                     <a:tint val="75000"/>
@@ -1439,7 +1538,7 @@
           <a:p>
             <a:fld id="{1FDA78BB-F94E-C747-BCB3-AA8F33FBD331}" type="datetimeFigureOut">
               <a:rPr lang="en-US" smtClean="0"/>
-              <a:t>3/1/18</a:t>
+              <a:t>6/12/18</a:t>
             </a:fld>
             <a:endParaRPr lang="en-US"/>
           </a:p>
@@ -1490,7 +1589,7 @@
     </p:spTree>
     <p:extLst>
       <p:ext uri="{BB962C8B-B14F-4D97-AF65-F5344CB8AC3E}">
-        <p14:creationId xmlns:p14="http://schemas.microsoft.com/office/powerpoint/2010/main" val="317477265"/>
+        <p14:creationId xmlns:p14="http://schemas.microsoft.com/office/powerpoint/2010/main" val="238243751"/>
       </p:ext>
     </p:extLst>
   </p:cSld>
@@ -1552,8 +1651,8 @@
         </p:nvSpPr>
         <p:spPr>
           <a:xfrm>
-            <a:off x="1113780" y="3066796"/>
-            <a:ext cx="6885186" cy="7309644"/>
+            <a:off x="1113780" y="4312617"/>
+            <a:ext cx="6885186" cy="10279029"/>
           </a:xfrm>
         </p:spPr>
         <p:txBody>
@@ -1609,8 +1708,8 @@
         </p:nvSpPr>
         <p:spPr>
           <a:xfrm>
-            <a:off x="8201472" y="3066796"/>
-            <a:ext cx="6885186" cy="7309644"/>
+            <a:off x="8201472" y="4312617"/>
+            <a:ext cx="6885186" cy="10279029"/>
           </a:xfrm>
         </p:spPr>
         <p:txBody>
@@ -1671,7 +1770,7 @@
           <a:p>
             <a:fld id="{1FDA78BB-F94E-C747-BCB3-AA8F33FBD331}" type="datetimeFigureOut">
               <a:rPr lang="en-US" smtClean="0"/>
-              <a:t>3/1/18</a:t>
+              <a:t>6/12/18</a:t>
             </a:fld>
             <a:endParaRPr lang="en-US"/>
           </a:p>
@@ -1722,7 +1821,7 @@
     </p:spTree>
     <p:extLst>
       <p:ext uri="{BB962C8B-B14F-4D97-AF65-F5344CB8AC3E}">
-        <p14:creationId xmlns:p14="http://schemas.microsoft.com/office/powerpoint/2010/main" val="1413365048"/>
+        <p14:creationId xmlns:p14="http://schemas.microsoft.com/office/powerpoint/2010/main" val="3736130688"/>
       </p:ext>
     </p:extLst>
   </p:cSld>
@@ -1761,8 +1860,8 @@
         </p:nvSpPr>
         <p:spPr>
           <a:xfrm>
-            <a:off x="1115890" y="613362"/>
-            <a:ext cx="13972878" cy="2226762"/>
+            <a:off x="1115890" y="862527"/>
+            <a:ext cx="13972878" cy="3131336"/>
           </a:xfrm>
         </p:spPr>
         <p:txBody>
@@ -1789,8 +1888,8 @@
         </p:nvSpPr>
         <p:spPr>
           <a:xfrm>
-            <a:off x="1115892" y="2824120"/>
-            <a:ext cx="6853544" cy="1384058"/>
+            <a:off x="1115892" y="3971359"/>
+            <a:ext cx="6853544" cy="1946301"/>
           </a:xfrm>
         </p:spPr>
         <p:txBody>
@@ -1798,39 +1897,39 @@
           <a:lstStyle>
             <a:lvl1pPr marL="0" indent="0">
               <a:buNone/>
-              <a:defRPr sz="4032" b="1"/>
+              <a:defRPr sz="4252" b="1"/>
             </a:lvl1pPr>
-            <a:lvl2pPr marL="768050" indent="0">
-              <a:buNone/>
-              <a:defRPr sz="3360" b="1"/>
+            <a:lvl2pPr marL="810021" indent="0">
+              <a:buNone/>
+              <a:defRPr sz="3543" b="1"/>
             </a:lvl2pPr>
-            <a:lvl3pPr marL="1536101" indent="0">
-              <a:buNone/>
-              <a:defRPr sz="3024" b="1"/>
+            <a:lvl3pPr marL="1620042" indent="0">
+              <a:buNone/>
+              <a:defRPr sz="3189" b="1"/>
             </a:lvl3pPr>
-            <a:lvl4pPr marL="2304151" indent="0">
-              <a:buNone/>
-              <a:defRPr sz="2688" b="1"/>
+            <a:lvl4pPr marL="2430064" indent="0">
+              <a:buNone/>
+              <a:defRPr sz="2835" b="1"/>
             </a:lvl4pPr>
-            <a:lvl5pPr marL="3072201" indent="0">
-              <a:buNone/>
-              <a:defRPr sz="2688" b="1"/>
+            <a:lvl5pPr marL="3240085" indent="0">
+              <a:buNone/>
+              <a:defRPr sz="2835" b="1"/>
             </a:lvl5pPr>
-            <a:lvl6pPr marL="3840251" indent="0">
-              <a:buNone/>
-              <a:defRPr sz="2688" b="1"/>
+            <a:lvl6pPr marL="4050106" indent="0">
+              <a:buNone/>
+              <a:defRPr sz="2835" b="1"/>
             </a:lvl6pPr>
-            <a:lvl7pPr marL="4608302" indent="0">
-              <a:buNone/>
-              <a:defRPr sz="2688" b="1"/>
+            <a:lvl7pPr marL="4860127" indent="0">
+              <a:buNone/>
+              <a:defRPr sz="2835" b="1"/>
             </a:lvl7pPr>
-            <a:lvl8pPr marL="5376352" indent="0">
-              <a:buNone/>
-              <a:defRPr sz="2688" b="1"/>
+            <a:lvl8pPr marL="5670149" indent="0">
+              <a:buNone/>
+              <a:defRPr sz="2835" b="1"/>
             </a:lvl8pPr>
-            <a:lvl9pPr marL="6144402" indent="0">
-              <a:buNone/>
-              <a:defRPr sz="2688" b="1"/>
+            <a:lvl9pPr marL="6480170" indent="0">
+              <a:buNone/>
+              <a:defRPr sz="2835" b="1"/>
             </a:lvl9pPr>
           </a:lstStyle>
           <a:p>
@@ -1854,8 +1953,8 @@
         </p:nvSpPr>
         <p:spPr>
           <a:xfrm>
-            <a:off x="1115892" y="4208178"/>
-            <a:ext cx="6853544" cy="6189596"/>
+            <a:off x="1115892" y="5917660"/>
+            <a:ext cx="6853544" cy="8703987"/>
           </a:xfrm>
         </p:spPr>
         <p:txBody>
@@ -1911,8 +2010,8 @@
         </p:nvSpPr>
         <p:spPr>
           <a:xfrm>
-            <a:off x="8201473" y="2824120"/>
-            <a:ext cx="6887296" cy="1384058"/>
+            <a:off x="8201473" y="3971359"/>
+            <a:ext cx="6887296" cy="1946301"/>
           </a:xfrm>
         </p:spPr>
         <p:txBody>
@@ -1920,39 +2019,39 @@
           <a:lstStyle>
             <a:lvl1pPr marL="0" indent="0">
               <a:buNone/>
-              <a:defRPr sz="4032" b="1"/>
+              <a:defRPr sz="4252" b="1"/>
             </a:lvl1pPr>
-            <a:lvl2pPr marL="768050" indent="0">
-              <a:buNone/>
-              <a:defRPr sz="3360" b="1"/>
+            <a:lvl2pPr marL="810021" indent="0">
+              <a:buNone/>
+              <a:defRPr sz="3543" b="1"/>
             </a:lvl2pPr>
-            <a:lvl3pPr marL="1536101" indent="0">
-              <a:buNone/>
-              <a:defRPr sz="3024" b="1"/>
+            <a:lvl3pPr marL="1620042" indent="0">
+              <a:buNone/>
+              <a:defRPr sz="3189" b="1"/>
             </a:lvl3pPr>
-            <a:lvl4pPr marL="2304151" indent="0">
-              <a:buNone/>
-              <a:defRPr sz="2688" b="1"/>
+            <a:lvl4pPr marL="2430064" indent="0">
+              <a:buNone/>
+              <a:defRPr sz="2835" b="1"/>
             </a:lvl4pPr>
-            <a:lvl5pPr marL="3072201" indent="0">
-              <a:buNone/>
-              <a:defRPr sz="2688" b="1"/>
+            <a:lvl5pPr marL="3240085" indent="0">
+              <a:buNone/>
+              <a:defRPr sz="2835" b="1"/>
             </a:lvl5pPr>
-            <a:lvl6pPr marL="3840251" indent="0">
-              <a:buNone/>
-              <a:defRPr sz="2688" b="1"/>
+            <a:lvl6pPr marL="4050106" indent="0">
+              <a:buNone/>
+              <a:defRPr sz="2835" b="1"/>
             </a:lvl6pPr>
-            <a:lvl7pPr marL="4608302" indent="0">
-              <a:buNone/>
-              <a:defRPr sz="2688" b="1"/>
+            <a:lvl7pPr marL="4860127" indent="0">
+              <a:buNone/>
+              <a:defRPr sz="2835" b="1"/>
             </a:lvl7pPr>
-            <a:lvl8pPr marL="5376352" indent="0">
-              <a:buNone/>
-              <a:defRPr sz="2688" b="1"/>
+            <a:lvl8pPr marL="5670149" indent="0">
+              <a:buNone/>
+              <a:defRPr sz="2835" b="1"/>
             </a:lvl8pPr>
-            <a:lvl9pPr marL="6144402" indent="0">
-              <a:buNone/>
-              <a:defRPr sz="2688" b="1"/>
+            <a:lvl9pPr marL="6480170" indent="0">
+              <a:buNone/>
+              <a:defRPr sz="2835" b="1"/>
             </a:lvl9pPr>
           </a:lstStyle>
           <a:p>
@@ -1976,8 +2075,8 @@
         </p:nvSpPr>
         <p:spPr>
           <a:xfrm>
-            <a:off x="8201473" y="4208178"/>
-            <a:ext cx="6887296" cy="6189596"/>
+            <a:off x="8201473" y="5917660"/>
+            <a:ext cx="6887296" cy="8703987"/>
           </a:xfrm>
         </p:spPr>
         <p:txBody>
@@ -2038,7 +2137,7 @@
           <a:p>
             <a:fld id="{1FDA78BB-F94E-C747-BCB3-AA8F33FBD331}" type="datetimeFigureOut">
               <a:rPr lang="en-US" smtClean="0"/>
-              <a:t>3/1/18</a:t>
+              <a:t>6/12/18</a:t>
             </a:fld>
             <a:endParaRPr lang="en-US"/>
           </a:p>
@@ -2089,7 +2188,7 @@
     </p:spTree>
     <p:extLst>
       <p:ext uri="{BB962C8B-B14F-4D97-AF65-F5344CB8AC3E}">
-        <p14:creationId xmlns:p14="http://schemas.microsoft.com/office/powerpoint/2010/main" val="3682665125"/>
+        <p14:creationId xmlns:p14="http://schemas.microsoft.com/office/powerpoint/2010/main" val="3690887704"/>
       </p:ext>
     </p:extLst>
   </p:cSld>
@@ -2156,7 +2255,7 @@
           <a:p>
             <a:fld id="{1FDA78BB-F94E-C747-BCB3-AA8F33FBD331}" type="datetimeFigureOut">
               <a:rPr lang="en-US" smtClean="0"/>
-              <a:t>3/1/18</a:t>
+              <a:t>6/12/18</a:t>
             </a:fld>
             <a:endParaRPr lang="en-US"/>
           </a:p>
@@ -2207,7 +2306,7 @@
     </p:spTree>
     <p:extLst>
       <p:ext uri="{BB962C8B-B14F-4D97-AF65-F5344CB8AC3E}">
-        <p14:creationId xmlns:p14="http://schemas.microsoft.com/office/powerpoint/2010/main" val="1132330810"/>
+        <p14:creationId xmlns:p14="http://schemas.microsoft.com/office/powerpoint/2010/main" val="2296750648"/>
       </p:ext>
     </p:extLst>
   </p:cSld>
@@ -2251,7 +2350,7 @@
           <a:p>
             <a:fld id="{1FDA78BB-F94E-C747-BCB3-AA8F33FBD331}" type="datetimeFigureOut">
               <a:rPr lang="en-US" smtClean="0"/>
-              <a:t>3/1/18</a:t>
+              <a:t>6/12/18</a:t>
             </a:fld>
             <a:endParaRPr lang="en-US"/>
           </a:p>
@@ -2302,7 +2401,7 @@
     </p:spTree>
     <p:extLst>
       <p:ext uri="{BB962C8B-B14F-4D97-AF65-F5344CB8AC3E}">
-        <p14:creationId xmlns:p14="http://schemas.microsoft.com/office/powerpoint/2010/main" val="3676494755"/>
+        <p14:creationId xmlns:p14="http://schemas.microsoft.com/office/powerpoint/2010/main" val="3643697450"/>
       </p:ext>
     </p:extLst>
   </p:cSld>
@@ -2341,15 +2440,15 @@
         </p:nvSpPr>
         <p:spPr>
           <a:xfrm>
-            <a:off x="1115890" y="768032"/>
-            <a:ext cx="5225063" cy="2688114"/>
+            <a:off x="1115890" y="1080029"/>
+            <a:ext cx="5225063" cy="3780102"/>
           </a:xfrm>
         </p:spPr>
         <p:txBody>
           <a:bodyPr anchor="b"/>
           <a:lstStyle>
             <a:lvl1pPr>
-              <a:defRPr sz="5376"/>
+              <a:defRPr sz="5669"/>
             </a:lvl1pPr>
           </a:lstStyle>
           <a:p>
@@ -2373,39 +2472,39 @@
         </p:nvSpPr>
         <p:spPr>
           <a:xfrm>
-            <a:off x="6887296" y="1658740"/>
-            <a:ext cx="8201472" cy="8187013"/>
+            <a:off x="6887296" y="2332567"/>
+            <a:ext cx="8201472" cy="11512811"/>
           </a:xfrm>
         </p:spPr>
         <p:txBody>
           <a:bodyPr/>
           <a:lstStyle>
             <a:lvl1pPr>
-              <a:defRPr sz="5376"/>
+              <a:defRPr sz="5669"/>
             </a:lvl1pPr>
             <a:lvl2pPr>
-              <a:defRPr sz="4704"/>
+              <a:defRPr sz="4961"/>
             </a:lvl2pPr>
             <a:lvl3pPr>
-              <a:defRPr sz="4032"/>
+              <a:defRPr sz="4252"/>
             </a:lvl3pPr>
             <a:lvl4pPr>
-              <a:defRPr sz="3360"/>
+              <a:defRPr sz="3543"/>
             </a:lvl4pPr>
             <a:lvl5pPr>
-              <a:defRPr sz="3360"/>
+              <a:defRPr sz="3543"/>
             </a:lvl5pPr>
             <a:lvl6pPr>
-              <a:defRPr sz="3360"/>
+              <a:defRPr sz="3543"/>
             </a:lvl6pPr>
             <a:lvl7pPr>
-              <a:defRPr sz="3360"/>
+              <a:defRPr sz="3543"/>
             </a:lvl7pPr>
             <a:lvl8pPr>
-              <a:defRPr sz="3360"/>
+              <a:defRPr sz="3543"/>
             </a:lvl8pPr>
             <a:lvl9pPr>
-              <a:defRPr sz="3360"/>
+              <a:defRPr sz="3543"/>
             </a:lvl9pPr>
           </a:lstStyle>
           <a:p>
@@ -2458,8 +2557,8 @@
         </p:nvSpPr>
         <p:spPr>
           <a:xfrm>
-            <a:off x="1115890" y="3456146"/>
-            <a:ext cx="5225063" cy="6402939"/>
+            <a:off x="1115890" y="4860131"/>
+            <a:ext cx="5225063" cy="9003995"/>
           </a:xfrm>
         </p:spPr>
         <p:txBody>
@@ -2467,39 +2566,39 @@
           <a:lstStyle>
             <a:lvl1pPr marL="0" indent="0">
               <a:buNone/>
-              <a:defRPr sz="2688"/>
+              <a:defRPr sz="2835"/>
             </a:lvl1pPr>
-            <a:lvl2pPr marL="768050" indent="0">
-              <a:buNone/>
-              <a:defRPr sz="2352"/>
+            <a:lvl2pPr marL="810021" indent="0">
+              <a:buNone/>
+              <a:defRPr sz="2480"/>
             </a:lvl2pPr>
-            <a:lvl3pPr marL="1536101" indent="0">
-              <a:buNone/>
-              <a:defRPr sz="2016"/>
+            <a:lvl3pPr marL="1620042" indent="0">
+              <a:buNone/>
+              <a:defRPr sz="2126"/>
             </a:lvl3pPr>
-            <a:lvl4pPr marL="2304151" indent="0">
-              <a:buNone/>
-              <a:defRPr sz="1680"/>
+            <a:lvl4pPr marL="2430064" indent="0">
+              <a:buNone/>
+              <a:defRPr sz="1772"/>
             </a:lvl4pPr>
-            <a:lvl5pPr marL="3072201" indent="0">
-              <a:buNone/>
-              <a:defRPr sz="1680"/>
+            <a:lvl5pPr marL="3240085" indent="0">
+              <a:buNone/>
+              <a:defRPr sz="1772"/>
             </a:lvl5pPr>
-            <a:lvl6pPr marL="3840251" indent="0">
-              <a:buNone/>
-              <a:defRPr sz="1680"/>
+            <a:lvl6pPr marL="4050106" indent="0">
+              <a:buNone/>
+              <a:defRPr sz="1772"/>
             </a:lvl6pPr>
-            <a:lvl7pPr marL="4608302" indent="0">
-              <a:buNone/>
-              <a:defRPr sz="1680"/>
+            <a:lvl7pPr marL="4860127" indent="0">
+              <a:buNone/>
+              <a:defRPr sz="1772"/>
             </a:lvl7pPr>
-            <a:lvl8pPr marL="5376352" indent="0">
-              <a:buNone/>
-              <a:defRPr sz="1680"/>
+            <a:lvl8pPr marL="5670149" indent="0">
+              <a:buNone/>
+              <a:defRPr sz="1772"/>
             </a:lvl8pPr>
-            <a:lvl9pPr marL="6144402" indent="0">
-              <a:buNone/>
-              <a:defRPr sz="1680"/>
+            <a:lvl9pPr marL="6480170" indent="0">
+              <a:buNone/>
+              <a:defRPr sz="1772"/>
             </a:lvl9pPr>
           </a:lstStyle>
           <a:p>
@@ -2528,7 +2627,7 @@
           <a:p>
             <a:fld id="{1FDA78BB-F94E-C747-BCB3-AA8F33FBD331}" type="datetimeFigureOut">
               <a:rPr lang="en-US" smtClean="0"/>
-              <a:t>3/1/18</a:t>
+              <a:t>6/12/18</a:t>
             </a:fld>
             <a:endParaRPr lang="en-US"/>
           </a:p>
@@ -2579,7 +2678,7 @@
     </p:spTree>
     <p:extLst>
       <p:ext uri="{BB962C8B-B14F-4D97-AF65-F5344CB8AC3E}">
-        <p14:creationId xmlns:p14="http://schemas.microsoft.com/office/powerpoint/2010/main" val="951168814"/>
+        <p14:creationId xmlns:p14="http://schemas.microsoft.com/office/powerpoint/2010/main" val="952278078"/>
       </p:ext>
     </p:extLst>
   </p:cSld>
@@ -2618,15 +2717,15 @@
         </p:nvSpPr>
         <p:spPr>
           <a:xfrm>
-            <a:off x="1115890" y="768032"/>
-            <a:ext cx="5225063" cy="2688114"/>
+            <a:off x="1115890" y="1080029"/>
+            <a:ext cx="5225063" cy="3780102"/>
           </a:xfrm>
         </p:spPr>
         <p:txBody>
           <a:bodyPr anchor="b"/>
           <a:lstStyle>
             <a:lvl1pPr>
-              <a:defRPr sz="5376"/>
+              <a:defRPr sz="5669"/>
             </a:lvl1pPr>
           </a:lstStyle>
           <a:p>
@@ -2650,8 +2749,8 @@
         </p:nvSpPr>
         <p:spPr>
           <a:xfrm>
-            <a:off x="6887296" y="1658740"/>
-            <a:ext cx="8201472" cy="8187013"/>
+            <a:off x="6887296" y="2332567"/>
+            <a:ext cx="8201472" cy="11512811"/>
           </a:xfrm>
         </p:spPr>
         <p:txBody>
@@ -2659,39 +2758,39 @@
           <a:lstStyle>
             <a:lvl1pPr marL="0" indent="0">
               <a:buNone/>
-              <a:defRPr sz="5376"/>
+              <a:defRPr sz="5669"/>
             </a:lvl1pPr>
-            <a:lvl2pPr marL="768050" indent="0">
-              <a:buNone/>
-              <a:defRPr sz="4704"/>
+            <a:lvl2pPr marL="810021" indent="0">
+              <a:buNone/>
+              <a:defRPr sz="4961"/>
             </a:lvl2pPr>
-            <a:lvl3pPr marL="1536101" indent="0">
-              <a:buNone/>
-              <a:defRPr sz="4032"/>
+            <a:lvl3pPr marL="1620042" indent="0">
+              <a:buNone/>
+              <a:defRPr sz="4252"/>
             </a:lvl3pPr>
-            <a:lvl4pPr marL="2304151" indent="0">
-              <a:buNone/>
-              <a:defRPr sz="3360"/>
+            <a:lvl4pPr marL="2430064" indent="0">
+              <a:buNone/>
+              <a:defRPr sz="3543"/>
             </a:lvl4pPr>
-            <a:lvl5pPr marL="3072201" indent="0">
-              <a:buNone/>
-              <a:defRPr sz="3360"/>
+            <a:lvl5pPr marL="3240085" indent="0">
+              <a:buNone/>
+              <a:defRPr sz="3543"/>
             </a:lvl5pPr>
-            <a:lvl6pPr marL="3840251" indent="0">
-              <a:buNone/>
-              <a:defRPr sz="3360"/>
+            <a:lvl6pPr marL="4050106" indent="0">
+              <a:buNone/>
+              <a:defRPr sz="3543"/>
             </a:lvl6pPr>
-            <a:lvl7pPr marL="4608302" indent="0">
-              <a:buNone/>
-              <a:defRPr sz="3360"/>
+            <a:lvl7pPr marL="4860127" indent="0">
+              <a:buNone/>
+              <a:defRPr sz="3543"/>
             </a:lvl7pPr>
-            <a:lvl8pPr marL="5376352" indent="0">
-              <a:buNone/>
-              <a:defRPr sz="3360"/>
+            <a:lvl8pPr marL="5670149" indent="0">
+              <a:buNone/>
+              <a:defRPr sz="3543"/>
             </a:lvl8pPr>
-            <a:lvl9pPr marL="6144402" indent="0">
-              <a:buNone/>
-              <a:defRPr sz="3360"/>
+            <a:lvl9pPr marL="6480170" indent="0">
+              <a:buNone/>
+              <a:defRPr sz="3543"/>
             </a:lvl9pPr>
           </a:lstStyle>
           <a:p>
@@ -2715,8 +2814,8 @@
         </p:nvSpPr>
         <p:spPr>
           <a:xfrm>
-            <a:off x="1115890" y="3456146"/>
-            <a:ext cx="5225063" cy="6402939"/>
+            <a:off x="1115890" y="4860131"/>
+            <a:ext cx="5225063" cy="9003995"/>
           </a:xfrm>
         </p:spPr>
         <p:txBody>
@@ -2724,39 +2823,39 @@
           <a:lstStyle>
             <a:lvl1pPr marL="0" indent="0">
               <a:buNone/>
-              <a:defRPr sz="2688"/>
+              <a:defRPr sz="2835"/>
             </a:lvl1pPr>
-            <a:lvl2pPr marL="768050" indent="0">
-              <a:buNone/>
-              <a:defRPr sz="2352"/>
+            <a:lvl2pPr marL="810021" indent="0">
+              <a:buNone/>
+              <a:defRPr sz="2480"/>
             </a:lvl2pPr>
-            <a:lvl3pPr marL="1536101" indent="0">
-              <a:buNone/>
-              <a:defRPr sz="2016"/>
+            <a:lvl3pPr marL="1620042" indent="0">
+              <a:buNone/>
+              <a:defRPr sz="2126"/>
             </a:lvl3pPr>
-            <a:lvl4pPr marL="2304151" indent="0">
-              <a:buNone/>
-              <a:defRPr sz="1680"/>
+            <a:lvl4pPr marL="2430064" indent="0">
+              <a:buNone/>
+              <a:defRPr sz="1772"/>
             </a:lvl4pPr>
-            <a:lvl5pPr marL="3072201" indent="0">
-              <a:buNone/>
-              <a:defRPr sz="1680"/>
+            <a:lvl5pPr marL="3240085" indent="0">
+              <a:buNone/>
+              <a:defRPr sz="1772"/>
             </a:lvl5pPr>
-            <a:lvl6pPr marL="3840251" indent="0">
-              <a:buNone/>
-              <a:defRPr sz="1680"/>
+            <a:lvl6pPr marL="4050106" indent="0">
+              <a:buNone/>
+              <a:defRPr sz="1772"/>
             </a:lvl6pPr>
-            <a:lvl7pPr marL="4608302" indent="0">
-              <a:buNone/>
-              <a:defRPr sz="1680"/>
+            <a:lvl7pPr marL="4860127" indent="0">
+              <a:buNone/>
+              <a:defRPr sz="1772"/>
             </a:lvl7pPr>
-            <a:lvl8pPr marL="5376352" indent="0">
-              <a:buNone/>
-              <a:defRPr sz="1680"/>
+            <a:lvl8pPr marL="5670149" indent="0">
+              <a:buNone/>
+              <a:defRPr sz="1772"/>
             </a:lvl8pPr>
-            <a:lvl9pPr marL="6144402" indent="0">
-              <a:buNone/>
-              <a:defRPr sz="1680"/>
+            <a:lvl9pPr marL="6480170" indent="0">
+              <a:buNone/>
+              <a:defRPr sz="1772"/>
             </a:lvl9pPr>
           </a:lstStyle>
           <a:p>
@@ -2785,7 +2884,7 @@
           <a:p>
             <a:fld id="{1FDA78BB-F94E-C747-BCB3-AA8F33FBD331}" type="datetimeFigureOut">
               <a:rPr lang="en-US" smtClean="0"/>
-              <a:t>3/1/18</a:t>
+              <a:t>6/12/18</a:t>
             </a:fld>
             <a:endParaRPr lang="en-US"/>
           </a:p>
@@ -2836,7 +2935,7 @@
     </p:spTree>
     <p:extLst>
       <p:ext uri="{BB962C8B-B14F-4D97-AF65-F5344CB8AC3E}">
-        <p14:creationId xmlns:p14="http://schemas.microsoft.com/office/powerpoint/2010/main" val="2447083239"/>
+        <p14:creationId xmlns:p14="http://schemas.microsoft.com/office/powerpoint/2010/main" val="3977024000"/>
       </p:ext>
     </p:extLst>
   </p:cSld>
@@ -2880,8 +2979,8 @@
         </p:nvSpPr>
         <p:spPr>
           <a:xfrm>
-            <a:off x="1113780" y="613362"/>
-            <a:ext cx="13972878" cy="2226762"/>
+            <a:off x="1113780" y="862527"/>
+            <a:ext cx="13972878" cy="3131336"/>
           </a:xfrm>
           <a:prstGeom prst="rect">
             <a:avLst/>
@@ -2913,8 +3012,8 @@
         </p:nvSpPr>
         <p:spPr>
           <a:xfrm>
-            <a:off x="1113780" y="3066796"/>
-            <a:ext cx="13972878" cy="7309644"/>
+            <a:off x="1113780" y="4312617"/>
+            <a:ext cx="13972878" cy="10279029"/>
           </a:xfrm>
           <a:prstGeom prst="rect">
             <a:avLst/>
@@ -2975,8 +3074,8 @@
         </p:nvSpPr>
         <p:spPr>
           <a:xfrm>
-            <a:off x="1113780" y="10677788"/>
-            <a:ext cx="3645099" cy="613359"/>
+            <a:off x="1113780" y="15015410"/>
+            <a:ext cx="3645099" cy="862523"/>
           </a:xfrm>
           <a:prstGeom prst="rect">
             <a:avLst/>
@@ -2986,7 +3085,7 @@
           <a:bodyPr vert="horz" lIns="91440" tIns="45720" rIns="91440" bIns="45720" rtlCol="0" anchor="ctr"/>
           <a:lstStyle>
             <a:lvl1pPr algn="l">
-              <a:defRPr sz="2016">
+              <a:defRPr sz="2126">
                 <a:solidFill>
                   <a:schemeClr val="tx1">
                     <a:tint val="75000"/>
@@ -2998,7 +3097,7 @@
           <a:p>
             <a:fld id="{1FDA78BB-F94E-C747-BCB3-AA8F33FBD331}" type="datetimeFigureOut">
               <a:rPr lang="en-US" smtClean="0"/>
-              <a:t>3/1/18</a:t>
+              <a:t>6/12/18</a:t>
             </a:fld>
             <a:endParaRPr lang="en-US"/>
           </a:p>
@@ -3016,8 +3115,8 @@
         </p:nvSpPr>
         <p:spPr>
           <a:xfrm>
-            <a:off x="5366395" y="10677788"/>
-            <a:ext cx="5467648" cy="613359"/>
+            <a:off x="5366395" y="15015410"/>
+            <a:ext cx="5467648" cy="862523"/>
           </a:xfrm>
           <a:prstGeom prst="rect">
             <a:avLst/>
@@ -3027,7 +3126,7 @@
           <a:bodyPr vert="horz" lIns="91440" tIns="45720" rIns="91440" bIns="45720" rtlCol="0" anchor="ctr"/>
           <a:lstStyle>
             <a:lvl1pPr algn="ctr">
-              <a:defRPr sz="2016">
+              <a:defRPr sz="2126">
                 <a:solidFill>
                   <a:schemeClr val="tx1">
                     <a:tint val="75000"/>
@@ -3053,8 +3152,8 @@
         </p:nvSpPr>
         <p:spPr>
           <a:xfrm>
-            <a:off x="11441559" y="10677788"/>
-            <a:ext cx="3645099" cy="613359"/>
+            <a:off x="11441559" y="15015410"/>
+            <a:ext cx="3645099" cy="862523"/>
           </a:xfrm>
           <a:prstGeom prst="rect">
             <a:avLst/>
@@ -3064,7 +3163,7 @@
           <a:bodyPr vert="horz" lIns="91440" tIns="45720" rIns="91440" bIns="45720" rtlCol="0" anchor="ctr"/>
           <a:lstStyle>
             <a:lvl1pPr algn="r">
-              <a:defRPr sz="2016">
+              <a:defRPr sz="2126">
                 <a:solidFill>
                   <a:schemeClr val="tx1">
                     <a:tint val="75000"/>
@@ -3085,27 +3184,27 @@
     </p:spTree>
     <p:extLst>
       <p:ext uri="{BB962C8B-B14F-4D97-AF65-F5344CB8AC3E}">
-        <p14:creationId xmlns:p14="http://schemas.microsoft.com/office/powerpoint/2010/main" val="3788375960"/>
+        <p14:creationId xmlns:p14="http://schemas.microsoft.com/office/powerpoint/2010/main" val="2222970230"/>
       </p:ext>
     </p:extLst>
   </p:cSld>
   <p:clrMap bg1="lt1" tx1="dk1" bg2="lt2" tx2="dk2" accent1="accent1" accent2="accent2" accent3="accent3" accent4="accent4" accent5="accent5" accent6="accent6" hlink="hlink" folHlink="folHlink"/>
   <p:sldLayoutIdLst>
-    <p:sldLayoutId id="2147483721" r:id="rId1"/>
-    <p:sldLayoutId id="2147483722" r:id="rId2"/>
-    <p:sldLayoutId id="2147483723" r:id="rId3"/>
-    <p:sldLayoutId id="2147483724" r:id="rId4"/>
-    <p:sldLayoutId id="2147483725" r:id="rId5"/>
-    <p:sldLayoutId id="2147483726" r:id="rId6"/>
-    <p:sldLayoutId id="2147483727" r:id="rId7"/>
-    <p:sldLayoutId id="2147483728" r:id="rId8"/>
-    <p:sldLayoutId id="2147483729" r:id="rId9"/>
-    <p:sldLayoutId id="2147483730" r:id="rId10"/>
-    <p:sldLayoutId id="2147483731" r:id="rId11"/>
+    <p:sldLayoutId id="2147483745" r:id="rId1"/>
+    <p:sldLayoutId id="2147483746" r:id="rId2"/>
+    <p:sldLayoutId id="2147483747" r:id="rId3"/>
+    <p:sldLayoutId id="2147483748" r:id="rId4"/>
+    <p:sldLayoutId id="2147483749" r:id="rId5"/>
+    <p:sldLayoutId id="2147483750" r:id="rId6"/>
+    <p:sldLayoutId id="2147483751" r:id="rId7"/>
+    <p:sldLayoutId id="2147483752" r:id="rId8"/>
+    <p:sldLayoutId id="2147483753" r:id="rId9"/>
+    <p:sldLayoutId id="2147483754" r:id="rId10"/>
+    <p:sldLayoutId id="2147483755" r:id="rId11"/>
   </p:sldLayoutIdLst>
   <p:txStyles>
     <p:titleStyle>
-      <a:lvl1pPr algn="l" defTabSz="1536101" rtl="0" eaLnBrk="1" latinLnBrk="0" hangingPunct="1">
+      <a:lvl1pPr algn="l" defTabSz="1620042" rtl="0" eaLnBrk="1" latinLnBrk="0" hangingPunct="1">
         <a:lnSpc>
           <a:spcPct val="90000"/>
         </a:lnSpc>
@@ -3113,7 +3212,7 @@
           <a:spcPct val="0"/>
         </a:spcBef>
         <a:buNone/>
-        <a:defRPr sz="7392" kern="1200">
+        <a:defRPr sz="7795" kern="1200">
           <a:solidFill>
             <a:schemeClr val="tx1"/>
           </a:solidFill>
@@ -3124,16 +3223,16 @@
       </a:lvl1pPr>
     </p:titleStyle>
     <p:bodyStyle>
-      <a:lvl1pPr marL="384025" indent="-384025" algn="l" defTabSz="1536101" rtl="0" eaLnBrk="1" latinLnBrk="0" hangingPunct="1">
+      <a:lvl1pPr marL="405011" indent="-405011" algn="l" defTabSz="1620042" rtl="0" eaLnBrk="1" latinLnBrk="0" hangingPunct="1">
         <a:lnSpc>
           <a:spcPct val="90000"/>
         </a:lnSpc>
         <a:spcBef>
-          <a:spcPts val="1680"/>
+          <a:spcPts val="1772"/>
         </a:spcBef>
         <a:buFont typeface="Arial" panose="020B0604020202020204" pitchFamily="34" charset="0"/>
         <a:buChar char="•"/>
-        <a:defRPr sz="4704" kern="1200">
+        <a:defRPr sz="4961" kern="1200">
           <a:solidFill>
             <a:schemeClr val="tx1"/>
           </a:solidFill>
@@ -3142,16 +3241,16 @@
           <a:cs typeface="+mn-cs"/>
         </a:defRPr>
       </a:lvl1pPr>
-      <a:lvl2pPr marL="1152075" indent="-384025" algn="l" defTabSz="1536101" rtl="0" eaLnBrk="1" latinLnBrk="0" hangingPunct="1">
+      <a:lvl2pPr marL="1215032" indent="-405011" algn="l" defTabSz="1620042" rtl="0" eaLnBrk="1" latinLnBrk="0" hangingPunct="1">
         <a:lnSpc>
           <a:spcPct val="90000"/>
         </a:lnSpc>
         <a:spcBef>
-          <a:spcPts val="840"/>
+          <a:spcPts val="886"/>
         </a:spcBef>
         <a:buFont typeface="Arial" panose="020B0604020202020204" pitchFamily="34" charset="0"/>
         <a:buChar char="•"/>
-        <a:defRPr sz="4032" kern="1200">
+        <a:defRPr sz="4252" kern="1200">
           <a:solidFill>
             <a:schemeClr val="tx1"/>
           </a:solidFill>
@@ -3160,16 +3259,16 @@
           <a:cs typeface="+mn-cs"/>
         </a:defRPr>
       </a:lvl2pPr>
-      <a:lvl3pPr marL="1920126" indent="-384025" algn="l" defTabSz="1536101" rtl="0" eaLnBrk="1" latinLnBrk="0" hangingPunct="1">
+      <a:lvl3pPr marL="2025053" indent="-405011" algn="l" defTabSz="1620042" rtl="0" eaLnBrk="1" latinLnBrk="0" hangingPunct="1">
         <a:lnSpc>
           <a:spcPct val="90000"/>
         </a:lnSpc>
         <a:spcBef>
-          <a:spcPts val="840"/>
+          <a:spcPts val="886"/>
         </a:spcBef>
         <a:buFont typeface="Arial" panose="020B0604020202020204" pitchFamily="34" charset="0"/>
         <a:buChar char="•"/>
-        <a:defRPr sz="3360" kern="1200">
+        <a:defRPr sz="3543" kern="1200">
           <a:solidFill>
             <a:schemeClr val="tx1"/>
           </a:solidFill>
@@ -3178,16 +3277,16 @@
           <a:cs typeface="+mn-cs"/>
         </a:defRPr>
       </a:lvl3pPr>
-      <a:lvl4pPr marL="2688176" indent="-384025" algn="l" defTabSz="1536101" rtl="0" eaLnBrk="1" latinLnBrk="0" hangingPunct="1">
+      <a:lvl4pPr marL="2835074" indent="-405011" algn="l" defTabSz="1620042" rtl="0" eaLnBrk="1" latinLnBrk="0" hangingPunct="1">
         <a:lnSpc>
           <a:spcPct val="90000"/>
         </a:lnSpc>
         <a:spcBef>
-          <a:spcPts val="840"/>
+          <a:spcPts val="886"/>
         </a:spcBef>
         <a:buFont typeface="Arial" panose="020B0604020202020204" pitchFamily="34" charset="0"/>
         <a:buChar char="•"/>
-        <a:defRPr sz="3024" kern="1200">
+        <a:defRPr sz="3189" kern="1200">
           <a:solidFill>
             <a:schemeClr val="tx1"/>
           </a:solidFill>
@@ -3196,16 +3295,16 @@
           <a:cs typeface="+mn-cs"/>
         </a:defRPr>
       </a:lvl4pPr>
-      <a:lvl5pPr marL="3456226" indent="-384025" algn="l" defTabSz="1536101" rtl="0" eaLnBrk="1" latinLnBrk="0" hangingPunct="1">
+      <a:lvl5pPr marL="3645096" indent="-405011" algn="l" defTabSz="1620042" rtl="0" eaLnBrk="1" latinLnBrk="0" hangingPunct="1">
         <a:lnSpc>
           <a:spcPct val="90000"/>
         </a:lnSpc>
         <a:spcBef>
-          <a:spcPts val="840"/>
+          <a:spcPts val="886"/>
         </a:spcBef>
         <a:buFont typeface="Arial" panose="020B0604020202020204" pitchFamily="34" charset="0"/>
         <a:buChar char="•"/>
-        <a:defRPr sz="3024" kern="1200">
+        <a:defRPr sz="3189" kern="1200">
           <a:solidFill>
             <a:schemeClr val="tx1"/>
           </a:solidFill>
@@ -3214,16 +3313,16 @@
           <a:cs typeface="+mn-cs"/>
         </a:defRPr>
       </a:lvl5pPr>
-      <a:lvl6pPr marL="4224277" indent="-384025" algn="l" defTabSz="1536101" rtl="0" eaLnBrk="1" latinLnBrk="0" hangingPunct="1">
+      <a:lvl6pPr marL="4455117" indent="-405011" algn="l" defTabSz="1620042" rtl="0" eaLnBrk="1" latinLnBrk="0" hangingPunct="1">
         <a:lnSpc>
           <a:spcPct val="90000"/>
         </a:lnSpc>
         <a:spcBef>
-          <a:spcPts val="840"/>
+          <a:spcPts val="886"/>
         </a:spcBef>
         <a:buFont typeface="Arial" panose="020B0604020202020204" pitchFamily="34" charset="0"/>
         <a:buChar char="•"/>
-        <a:defRPr sz="3024" kern="1200">
+        <a:defRPr sz="3189" kern="1200">
           <a:solidFill>
             <a:schemeClr val="tx1"/>
           </a:solidFill>
@@ -3232,16 +3331,16 @@
           <a:cs typeface="+mn-cs"/>
         </a:defRPr>
       </a:lvl6pPr>
-      <a:lvl7pPr marL="4992327" indent="-384025" algn="l" defTabSz="1536101" rtl="0" eaLnBrk="1" latinLnBrk="0" hangingPunct="1">
+      <a:lvl7pPr marL="5265138" indent="-405011" algn="l" defTabSz="1620042" rtl="0" eaLnBrk="1" latinLnBrk="0" hangingPunct="1">
         <a:lnSpc>
           <a:spcPct val="90000"/>
         </a:lnSpc>
         <a:spcBef>
-          <a:spcPts val="840"/>
+          <a:spcPts val="886"/>
         </a:spcBef>
         <a:buFont typeface="Arial" panose="020B0604020202020204" pitchFamily="34" charset="0"/>
         <a:buChar char="•"/>
-        <a:defRPr sz="3024" kern="1200">
+        <a:defRPr sz="3189" kern="1200">
           <a:solidFill>
             <a:schemeClr val="tx1"/>
           </a:solidFill>
@@ -3250,16 +3349,16 @@
           <a:cs typeface="+mn-cs"/>
         </a:defRPr>
       </a:lvl7pPr>
-      <a:lvl8pPr marL="5760377" indent="-384025" algn="l" defTabSz="1536101" rtl="0" eaLnBrk="1" latinLnBrk="0" hangingPunct="1">
+      <a:lvl8pPr marL="6075159" indent="-405011" algn="l" defTabSz="1620042" rtl="0" eaLnBrk="1" latinLnBrk="0" hangingPunct="1">
         <a:lnSpc>
           <a:spcPct val="90000"/>
         </a:lnSpc>
         <a:spcBef>
-          <a:spcPts val="840"/>
+          <a:spcPts val="886"/>
         </a:spcBef>
         <a:buFont typeface="Arial" panose="020B0604020202020204" pitchFamily="34" charset="0"/>
         <a:buChar char="•"/>
-        <a:defRPr sz="3024" kern="1200">
+        <a:defRPr sz="3189" kern="1200">
           <a:solidFill>
             <a:schemeClr val="tx1"/>
           </a:solidFill>
@@ -3268,16 +3367,16 @@
           <a:cs typeface="+mn-cs"/>
         </a:defRPr>
       </a:lvl8pPr>
-      <a:lvl9pPr marL="6528427" indent="-384025" algn="l" defTabSz="1536101" rtl="0" eaLnBrk="1" latinLnBrk="0" hangingPunct="1">
+      <a:lvl9pPr marL="6885181" indent="-405011" algn="l" defTabSz="1620042" rtl="0" eaLnBrk="1" latinLnBrk="0" hangingPunct="1">
         <a:lnSpc>
           <a:spcPct val="90000"/>
         </a:lnSpc>
         <a:spcBef>
-          <a:spcPts val="840"/>
+          <a:spcPts val="886"/>
         </a:spcBef>
         <a:buFont typeface="Arial" panose="020B0604020202020204" pitchFamily="34" charset="0"/>
         <a:buChar char="•"/>
-        <a:defRPr sz="3024" kern="1200">
+        <a:defRPr sz="3189" kern="1200">
           <a:solidFill>
             <a:schemeClr val="tx1"/>
           </a:solidFill>
@@ -3291,8 +3390,8 @@
       <a:defPPr>
         <a:defRPr lang="en-US"/>
       </a:defPPr>
-      <a:lvl1pPr marL="0" algn="l" defTabSz="1536101" rtl="0" eaLnBrk="1" latinLnBrk="0" hangingPunct="1">
-        <a:defRPr sz="3024" kern="1200">
+      <a:lvl1pPr marL="0" algn="l" defTabSz="1620042" rtl="0" eaLnBrk="1" latinLnBrk="0" hangingPunct="1">
+        <a:defRPr sz="3189" kern="1200">
           <a:solidFill>
             <a:schemeClr val="tx1"/>
           </a:solidFill>
@@ -3301,8 +3400,8 @@
           <a:cs typeface="+mn-cs"/>
         </a:defRPr>
       </a:lvl1pPr>
-      <a:lvl2pPr marL="768050" algn="l" defTabSz="1536101" rtl="0" eaLnBrk="1" latinLnBrk="0" hangingPunct="1">
-        <a:defRPr sz="3024" kern="1200">
+      <a:lvl2pPr marL="810021" algn="l" defTabSz="1620042" rtl="0" eaLnBrk="1" latinLnBrk="0" hangingPunct="1">
+        <a:defRPr sz="3189" kern="1200">
           <a:solidFill>
             <a:schemeClr val="tx1"/>
           </a:solidFill>
@@ -3311,8 +3410,8 @@
           <a:cs typeface="+mn-cs"/>
         </a:defRPr>
       </a:lvl2pPr>
-      <a:lvl3pPr marL="1536101" algn="l" defTabSz="1536101" rtl="0" eaLnBrk="1" latinLnBrk="0" hangingPunct="1">
-        <a:defRPr sz="3024" kern="1200">
+      <a:lvl3pPr marL="1620042" algn="l" defTabSz="1620042" rtl="0" eaLnBrk="1" latinLnBrk="0" hangingPunct="1">
+        <a:defRPr sz="3189" kern="1200">
           <a:solidFill>
             <a:schemeClr val="tx1"/>
           </a:solidFill>
@@ -3321,8 +3420,8 @@
           <a:cs typeface="+mn-cs"/>
         </a:defRPr>
       </a:lvl3pPr>
-      <a:lvl4pPr marL="2304151" algn="l" defTabSz="1536101" rtl="0" eaLnBrk="1" latinLnBrk="0" hangingPunct="1">
-        <a:defRPr sz="3024" kern="1200">
+      <a:lvl4pPr marL="2430064" algn="l" defTabSz="1620042" rtl="0" eaLnBrk="1" latinLnBrk="0" hangingPunct="1">
+        <a:defRPr sz="3189" kern="1200">
           <a:solidFill>
             <a:schemeClr val="tx1"/>
           </a:solidFill>
@@ -3331,8 +3430,8 @@
           <a:cs typeface="+mn-cs"/>
         </a:defRPr>
       </a:lvl4pPr>
-      <a:lvl5pPr marL="3072201" algn="l" defTabSz="1536101" rtl="0" eaLnBrk="1" latinLnBrk="0" hangingPunct="1">
-        <a:defRPr sz="3024" kern="1200">
+      <a:lvl5pPr marL="3240085" algn="l" defTabSz="1620042" rtl="0" eaLnBrk="1" latinLnBrk="0" hangingPunct="1">
+        <a:defRPr sz="3189" kern="1200">
           <a:solidFill>
             <a:schemeClr val="tx1"/>
           </a:solidFill>
@@ -3341,8 +3440,8 @@
           <a:cs typeface="+mn-cs"/>
         </a:defRPr>
       </a:lvl5pPr>
-      <a:lvl6pPr marL="3840251" algn="l" defTabSz="1536101" rtl="0" eaLnBrk="1" latinLnBrk="0" hangingPunct="1">
-        <a:defRPr sz="3024" kern="1200">
+      <a:lvl6pPr marL="4050106" algn="l" defTabSz="1620042" rtl="0" eaLnBrk="1" latinLnBrk="0" hangingPunct="1">
+        <a:defRPr sz="3189" kern="1200">
           <a:solidFill>
             <a:schemeClr val="tx1"/>
           </a:solidFill>
@@ -3351,8 +3450,8 @@
           <a:cs typeface="+mn-cs"/>
         </a:defRPr>
       </a:lvl6pPr>
-      <a:lvl7pPr marL="4608302" algn="l" defTabSz="1536101" rtl="0" eaLnBrk="1" latinLnBrk="0" hangingPunct="1">
-        <a:defRPr sz="3024" kern="1200">
+      <a:lvl7pPr marL="4860127" algn="l" defTabSz="1620042" rtl="0" eaLnBrk="1" latinLnBrk="0" hangingPunct="1">
+        <a:defRPr sz="3189" kern="1200">
           <a:solidFill>
             <a:schemeClr val="tx1"/>
           </a:solidFill>
@@ -3361,8 +3460,8 @@
           <a:cs typeface="+mn-cs"/>
         </a:defRPr>
       </a:lvl7pPr>
-      <a:lvl8pPr marL="5376352" algn="l" defTabSz="1536101" rtl="0" eaLnBrk="1" latinLnBrk="0" hangingPunct="1">
-        <a:defRPr sz="3024" kern="1200">
+      <a:lvl8pPr marL="5670149" algn="l" defTabSz="1620042" rtl="0" eaLnBrk="1" latinLnBrk="0" hangingPunct="1">
+        <a:defRPr sz="3189" kern="1200">
           <a:solidFill>
             <a:schemeClr val="tx1"/>
           </a:solidFill>
@@ -3371,8 +3470,8 @@
           <a:cs typeface="+mn-cs"/>
         </a:defRPr>
       </a:lvl8pPr>
-      <a:lvl9pPr marL="6144402" algn="l" defTabSz="1536101" rtl="0" eaLnBrk="1" latinLnBrk="0" hangingPunct="1">
-        <a:defRPr sz="3024" kern="1200">
+      <a:lvl9pPr marL="6480170" algn="l" defTabSz="1620042" rtl="0" eaLnBrk="1" latinLnBrk="0" hangingPunct="1">
+        <a:defRPr sz="3189" kern="1200">
           <a:solidFill>
             <a:schemeClr val="tx1"/>
           </a:solidFill>
@@ -3405,10 +3504,10 @@
       </p:grpSpPr>
       <p:pic>
         <p:nvPicPr>
-          <p:cNvPr id="13" name="Picture 12">
+          <p:cNvPr id="3" name="Picture 2">
             <a:extLst>
               <a:ext uri="{FF2B5EF4-FFF2-40B4-BE49-F238E27FC236}">
-                <a16:creationId xmlns:a16="http://schemas.microsoft.com/office/drawing/2014/main" id="{EE8E5501-C915-6A49-9FB9-F0B0E672C4B1}"/>
+                <a16:creationId xmlns:a16="http://schemas.microsoft.com/office/drawing/2014/main" id="{87CB3F41-CB1C-CA4F-AB67-59A2C5F68270}"/>
               </a:ext>
             </a:extLst>
           </p:cNvPr>
@@ -3425,7 +3524,37 @@
         </p:blipFill>
         <p:spPr>
           <a:xfrm>
-            <a:off x="1" y="360364"/>
+            <a:off x="10763618" y="323269"/>
+            <a:ext cx="5281763" cy="3736800"/>
+          </a:xfrm>
+          <a:prstGeom prst="rect">
+            <a:avLst/>
+          </a:prstGeom>
+        </p:spPr>
+      </p:pic>
+      <p:pic>
+        <p:nvPicPr>
+          <p:cNvPr id="13" name="Picture 12">
+            <a:extLst>
+              <a:ext uri="{FF2B5EF4-FFF2-40B4-BE49-F238E27FC236}">
+                <a16:creationId xmlns:a16="http://schemas.microsoft.com/office/drawing/2014/main" id="{EE8E5501-C915-6A49-9FB9-F0B0E672C4B1}"/>
+              </a:ext>
+            </a:extLst>
+          </p:cNvPr>
+          <p:cNvPicPr>
+            <a:picLocks noChangeAspect="1"/>
+          </p:cNvPicPr>
+          <p:nvPr/>
+        </p:nvPicPr>
+        <p:blipFill>
+          <a:blip r:embed="rId4"/>
+          <a:stretch>
+            <a:fillRect/>
+          </a:stretch>
+        </p:blipFill>
+        <p:spPr>
+          <a:xfrm>
+            <a:off x="59640" y="290160"/>
             <a:ext cx="5282415" cy="3735421"/>
           </a:xfrm>
           <a:prstGeom prst="rect">
@@ -3448,36 +3577,6 @@
           <p:nvPr/>
         </p:nvPicPr>
         <p:blipFill>
-          <a:blip r:embed="rId4"/>
-          <a:stretch>
-            <a:fillRect/>
-          </a:stretch>
-        </p:blipFill>
-        <p:spPr>
-          <a:xfrm>
-            <a:off x="5282416" y="360364"/>
-            <a:ext cx="5282415" cy="3735421"/>
-          </a:xfrm>
-          <a:prstGeom prst="rect">
-            <a:avLst/>
-          </a:prstGeom>
-        </p:spPr>
-      </p:pic>
-      <p:pic>
-        <p:nvPicPr>
-          <p:cNvPr id="17" name="Picture 16">
-            <a:extLst>
-              <a:ext uri="{FF2B5EF4-FFF2-40B4-BE49-F238E27FC236}">
-                <a16:creationId xmlns:a16="http://schemas.microsoft.com/office/drawing/2014/main" id="{5FFD6827-3B36-B248-BA7C-26791A644B57}"/>
-              </a:ext>
-            </a:extLst>
-          </p:cNvPr>
-          <p:cNvPicPr>
-            <a:picLocks noChangeAspect="1"/>
-          </p:cNvPicPr>
-          <p:nvPr/>
-        </p:nvPicPr>
-        <p:blipFill>
           <a:blip r:embed="rId5"/>
           <a:stretch>
             <a:fillRect/>
@@ -3485,8 +3584,8 @@
         </p:blipFill>
         <p:spPr>
           <a:xfrm>
-            <a:off x="10564830" y="360364"/>
-            <a:ext cx="5282414" cy="3735421"/>
+            <a:off x="5342055" y="290160"/>
+            <a:ext cx="5282415" cy="3735421"/>
           </a:xfrm>
           <a:prstGeom prst="rect">
             <a:avLst/>
@@ -3515,7 +3614,7 @@
         </p:blipFill>
         <p:spPr>
           <a:xfrm>
-            <a:off x="1" y="4095784"/>
+            <a:off x="119274" y="4331600"/>
             <a:ext cx="5282415" cy="3735422"/>
           </a:xfrm>
           <a:prstGeom prst="rect">
@@ -3545,7 +3644,7 @@
         </p:blipFill>
         <p:spPr>
           <a:xfrm>
-            <a:off x="5282416" y="4095785"/>
+            <a:off x="5401685" y="4331605"/>
             <a:ext cx="5282414" cy="3735421"/>
           </a:xfrm>
           <a:prstGeom prst="rect">
@@ -3575,7 +3674,7 @@
         </p:blipFill>
         <p:spPr>
           <a:xfrm>
-            <a:off x="10564829" y="4095783"/>
+            <a:off x="10684098" y="4331599"/>
             <a:ext cx="5334000" cy="3735420"/>
           </a:xfrm>
           <a:prstGeom prst="rect">
@@ -3605,7 +3704,7 @@
         </p:blipFill>
         <p:spPr>
           <a:xfrm>
-            <a:off x="0" y="7785064"/>
+            <a:off x="119268" y="8291473"/>
             <a:ext cx="5282416" cy="3735423"/>
           </a:xfrm>
           <a:prstGeom prst="rect">
@@ -3634,7 +3733,7 @@
         </p:blipFill>
         <p:spPr>
           <a:xfrm>
-            <a:off x="5282415" y="7831204"/>
+            <a:off x="5401687" y="8337609"/>
             <a:ext cx="5282413" cy="3629960"/>
           </a:xfrm>
           <a:prstGeom prst="rect">
@@ -3663,7 +3762,7 @@
         </p:blipFill>
         <p:spPr>
           <a:xfrm>
-            <a:off x="10564829" y="7877343"/>
+            <a:off x="10684097" y="8383748"/>
             <a:ext cx="5334000" cy="3643144"/>
           </a:xfrm>
           <a:prstGeom prst="rect">
@@ -3685,7 +3784,7 @@
         </p:nvSpPr>
         <p:spPr>
           <a:xfrm>
-            <a:off x="0" y="124689"/>
+            <a:off x="418276" y="51254"/>
             <a:ext cx="934278" cy="400110"/>
           </a:xfrm>
           <a:prstGeom prst="rect">
@@ -3720,7 +3819,7 @@
         </p:nvSpPr>
         <p:spPr>
           <a:xfrm>
-            <a:off x="5421566" y="70208"/>
+            <a:off x="5705643" y="24939"/>
             <a:ext cx="934278" cy="400110"/>
           </a:xfrm>
           <a:prstGeom prst="rect">
@@ -3755,8 +3854,8 @@
         </p:nvSpPr>
         <p:spPr>
           <a:xfrm>
-            <a:off x="10544952" y="82067"/>
-            <a:ext cx="934278" cy="461665"/>
+            <a:off x="11129312" y="60667"/>
+            <a:ext cx="934278" cy="400110"/>
           </a:xfrm>
           <a:prstGeom prst="rect">
             <a:avLst/>
@@ -3770,7 +3869,7 @@
           <a:lstStyle/>
           <a:p>
             <a:r>
-              <a:rPr lang="en-US" sz="2400" b="1" dirty="0"/>
+              <a:rPr lang="en-US" sz="2000" b="1" dirty="0"/>
               <a:t>LEW</a:t>
             </a:r>
           </a:p>
@@ -3790,7 +3889,7 @@
         </p:nvSpPr>
         <p:spPr>
           <a:xfrm>
-            <a:off x="-59635" y="3825193"/>
+            <a:off x="464106" y="4060069"/>
             <a:ext cx="934278" cy="400110"/>
           </a:xfrm>
           <a:prstGeom prst="rect">
@@ -3825,7 +3924,7 @@
         </p:nvSpPr>
         <p:spPr>
           <a:xfrm>
-            <a:off x="-59635" y="7560614"/>
+            <a:off x="464106" y="8038935"/>
             <a:ext cx="934278" cy="400110"/>
           </a:xfrm>
           <a:prstGeom prst="rect">
@@ -3860,7 +3959,7 @@
         </p:nvSpPr>
         <p:spPr>
           <a:xfrm>
-            <a:off x="10564828" y="3872658"/>
+            <a:off x="11051845" y="4043630"/>
             <a:ext cx="934278" cy="400110"/>
           </a:xfrm>
           <a:prstGeom prst="rect">
@@ -3895,7 +3994,7 @@
         </p:nvSpPr>
         <p:spPr>
           <a:xfrm>
-            <a:off x="5282415" y="3877679"/>
+            <a:off x="5750319" y="4043630"/>
             <a:ext cx="934278" cy="400110"/>
           </a:xfrm>
           <a:prstGeom prst="rect">
@@ -3930,7 +4029,7 @@
         </p:nvSpPr>
         <p:spPr>
           <a:xfrm>
-            <a:off x="5143035" y="7613100"/>
+            <a:off x="5744815" y="8066863"/>
             <a:ext cx="1043610" cy="400110"/>
           </a:xfrm>
           <a:prstGeom prst="rect">
@@ -3965,7 +4064,7 @@
         </p:nvSpPr>
         <p:spPr>
           <a:xfrm>
-            <a:off x="10221698" y="7624764"/>
+            <a:off x="11027226" y="8113158"/>
             <a:ext cx="1178018" cy="400110"/>
           </a:xfrm>
           <a:prstGeom prst="rect">
@@ -3982,6 +4081,136 @@
             <a:r>
               <a:rPr lang="en-US" sz="2000" b="1" dirty="0"/>
               <a:t>MOR.SN</a:t>
+            </a:r>
+          </a:p>
+        </p:txBody>
+      </p:sp>
+      <p:pic>
+        <p:nvPicPr>
+          <p:cNvPr id="4" name="Picture 3">
+            <a:extLst>
+              <a:ext uri="{FF2B5EF4-FFF2-40B4-BE49-F238E27FC236}">
+                <a16:creationId xmlns:a16="http://schemas.microsoft.com/office/drawing/2014/main" id="{36E566BB-CC7D-C34D-AAC1-3D2CECED3E87}"/>
+              </a:ext>
+            </a:extLst>
+          </p:cNvPr>
+          <p:cNvPicPr>
+            <a:picLocks noChangeAspect="1"/>
+          </p:cNvPicPr>
+          <p:nvPr/>
+        </p:nvPicPr>
+        <p:blipFill>
+          <a:blip r:embed="rId12"/>
+          <a:stretch>
+            <a:fillRect/>
+          </a:stretch>
+        </p:blipFill>
+        <p:spPr>
+          <a:xfrm>
+            <a:off x="2621421" y="12463638"/>
+            <a:ext cx="5281763" cy="3736800"/>
+          </a:xfrm>
+          <a:prstGeom prst="rect">
+            <a:avLst/>
+          </a:prstGeom>
+        </p:spPr>
+      </p:pic>
+      <p:sp>
+        <p:nvSpPr>
+          <p:cNvPr id="22" name="TextBox 21">
+            <a:extLst>
+              <a:ext uri="{FF2B5EF4-FFF2-40B4-BE49-F238E27FC236}">
+                <a16:creationId xmlns:a16="http://schemas.microsoft.com/office/drawing/2014/main" id="{55E17620-0284-764B-8125-AC4B5ABECF18}"/>
+              </a:ext>
+            </a:extLst>
+          </p:cNvPr>
+          <p:cNvSpPr txBox="1"/>
+          <p:nvPr/>
+        </p:nvSpPr>
+        <p:spPr>
+          <a:xfrm>
+            <a:off x="3001897" y="12185686"/>
+            <a:ext cx="934278" cy="400110"/>
+          </a:xfrm>
+          <a:prstGeom prst="rect">
+            <a:avLst/>
+          </a:prstGeom>
+          <a:noFill/>
+        </p:spPr>
+        <p:txBody>
+          <a:bodyPr wrap="square" rtlCol="0">
+            <a:spAutoFit/>
+          </a:bodyPr>
+          <a:lstStyle/>
+          <a:p>
+            <a:r>
+              <a:rPr lang="en-US" sz="2000" b="1" dirty="0"/>
+              <a:t>BOT1</a:t>
+            </a:r>
+          </a:p>
+        </p:txBody>
+      </p:sp>
+      <p:pic>
+        <p:nvPicPr>
+          <p:cNvPr id="6" name="Picture 5">
+            <a:extLst>
+              <a:ext uri="{FF2B5EF4-FFF2-40B4-BE49-F238E27FC236}">
+                <a16:creationId xmlns:a16="http://schemas.microsoft.com/office/drawing/2014/main" id="{4470E302-4EE0-3940-8B58-DBDAB29DDF6D}"/>
+              </a:ext>
+            </a:extLst>
+          </p:cNvPr>
+          <p:cNvPicPr>
+            <a:picLocks noChangeAspect="1"/>
+          </p:cNvPicPr>
+          <p:nvPr/>
+        </p:nvPicPr>
+        <p:blipFill>
+          <a:blip r:embed="rId13"/>
+          <a:stretch>
+            <a:fillRect/>
+          </a:stretch>
+        </p:blipFill>
+        <p:spPr>
+          <a:xfrm>
+            <a:off x="8410963" y="12463638"/>
+            <a:ext cx="5281763" cy="3736800"/>
+          </a:xfrm>
+          <a:prstGeom prst="rect">
+            <a:avLst/>
+          </a:prstGeom>
+        </p:spPr>
+      </p:pic>
+      <p:sp>
+        <p:nvSpPr>
+          <p:cNvPr id="26" name="TextBox 25">
+            <a:extLst>
+              <a:ext uri="{FF2B5EF4-FFF2-40B4-BE49-F238E27FC236}">
+                <a16:creationId xmlns:a16="http://schemas.microsoft.com/office/drawing/2014/main" id="{E275BF8C-47A5-3B49-8458-8AF64E525CE8}"/>
+              </a:ext>
+            </a:extLst>
+          </p:cNvPr>
+          <p:cNvSpPr txBox="1"/>
+          <p:nvPr/>
+        </p:nvSpPr>
+        <p:spPr>
+          <a:xfrm>
+            <a:off x="8778917" y="12185686"/>
+            <a:ext cx="934278" cy="400110"/>
+          </a:xfrm>
+          <a:prstGeom prst="rect">
+            <a:avLst/>
+          </a:prstGeom>
+          <a:noFill/>
+        </p:spPr>
+        <p:txBody>
+          <a:bodyPr wrap="square" rtlCol="0">
+            <a:spAutoFit/>
+          </a:bodyPr>
+          <a:lstStyle/>
+          <a:p>
+            <a:r>
+              <a:rPr lang="en-US" sz="2000" b="1" dirty="0"/>
+              <a:t>BOT2</a:t>
             </a:r>
           </a:p>
         </p:txBody>
@@ -4018,6 +4247,36 @@
       </p:grpSpPr>
       <p:pic>
         <p:nvPicPr>
+          <p:cNvPr id="3" name="Picture 2">
+            <a:extLst>
+              <a:ext uri="{FF2B5EF4-FFF2-40B4-BE49-F238E27FC236}">
+                <a16:creationId xmlns:a16="http://schemas.microsoft.com/office/drawing/2014/main" id="{657E86EF-E3AE-C349-B5F3-44C8AC5C5E61}"/>
+              </a:ext>
+            </a:extLst>
+          </p:cNvPr>
+          <p:cNvPicPr>
+            <a:picLocks noChangeAspect="1"/>
+          </p:cNvPicPr>
+          <p:nvPr/>
+        </p:nvPicPr>
+        <p:blipFill>
+          <a:blip r:embed="rId3"/>
+          <a:stretch>
+            <a:fillRect/>
+          </a:stretch>
+        </p:blipFill>
+        <p:spPr>
+          <a:xfrm>
+            <a:off x="10763270" y="195466"/>
+            <a:ext cx="5332647" cy="3772800"/>
+          </a:xfrm>
+          <a:prstGeom prst="rect">
+            <a:avLst/>
+          </a:prstGeom>
+        </p:spPr>
+      </p:pic>
+      <p:pic>
+        <p:nvPicPr>
           <p:cNvPr id="5" name="Picture 4">
             <a:extLst>
               <a:ext uri="{FF2B5EF4-FFF2-40B4-BE49-F238E27FC236}">
@@ -4031,14 +4290,14 @@
           <p:nvPr/>
         </p:nvPicPr>
         <p:blipFill>
-          <a:blip r:embed="rId2"/>
+          <a:blip r:embed="rId4"/>
           <a:stretch>
             <a:fillRect/>
           </a:stretch>
         </p:blipFill>
         <p:spPr>
           <a:xfrm>
-            <a:off x="0" y="0"/>
+            <a:off x="198438" y="175846"/>
             <a:ext cx="5334000" cy="3771900"/>
           </a:xfrm>
           <a:prstGeom prst="rect">
@@ -4061,44 +4320,14 @@
           <p:nvPr/>
         </p:nvPicPr>
         <p:blipFill>
-          <a:blip r:embed="rId3"/>
+          <a:blip r:embed="rId5"/>
           <a:stretch>
             <a:fillRect/>
           </a:stretch>
         </p:blipFill>
         <p:spPr>
           <a:xfrm>
-            <a:off x="5334000" y="0"/>
-            <a:ext cx="5334000" cy="3771900"/>
-          </a:xfrm>
-          <a:prstGeom prst="rect">
-            <a:avLst/>
-          </a:prstGeom>
-        </p:spPr>
-      </p:pic>
-      <p:pic>
-        <p:nvPicPr>
-          <p:cNvPr id="9" name="Picture 8">
-            <a:extLst>
-              <a:ext uri="{FF2B5EF4-FFF2-40B4-BE49-F238E27FC236}">
-                <a16:creationId xmlns:a16="http://schemas.microsoft.com/office/drawing/2014/main" id="{1525139A-AEF6-2D41-ABCA-675329097446}"/>
-              </a:ext>
-            </a:extLst>
-          </p:cNvPr>
-          <p:cNvPicPr>
-            <a:picLocks noChangeAspect="1"/>
-          </p:cNvPicPr>
-          <p:nvPr/>
-        </p:nvPicPr>
-        <p:blipFill>
-          <a:blip r:embed="rId4"/>
-          <a:stretch>
-            <a:fillRect/>
-          </a:stretch>
-        </p:blipFill>
-        <p:spPr>
-          <a:xfrm>
-            <a:off x="10668000" y="0"/>
+            <a:off x="5532438" y="175846"/>
             <a:ext cx="5334000" cy="3771900"/>
           </a:xfrm>
           <a:prstGeom prst="rect">
@@ -4121,14 +4350,14 @@
           <p:nvPr/>
         </p:nvPicPr>
         <p:blipFill>
-          <a:blip r:embed="rId5"/>
+          <a:blip r:embed="rId6"/>
           <a:stretch>
             <a:fillRect/>
           </a:stretch>
         </p:blipFill>
         <p:spPr>
           <a:xfrm>
-            <a:off x="0" y="3771900"/>
+            <a:off x="198438" y="3947746"/>
             <a:ext cx="5334000" cy="3771900"/>
           </a:xfrm>
           <a:prstGeom prst="rect">
@@ -4151,14 +4380,14 @@
           <p:nvPr/>
         </p:nvPicPr>
         <p:blipFill>
-          <a:blip r:embed="rId6"/>
+          <a:blip r:embed="rId7"/>
           <a:stretch>
             <a:fillRect/>
           </a:stretch>
         </p:blipFill>
         <p:spPr>
           <a:xfrm>
-            <a:off x="5334000" y="3771900"/>
+            <a:off x="5532438" y="3947746"/>
             <a:ext cx="5334000" cy="3771900"/>
           </a:xfrm>
           <a:prstGeom prst="rect">
@@ -4181,14 +4410,14 @@
           <p:nvPr/>
         </p:nvPicPr>
         <p:blipFill>
-          <a:blip r:embed="rId7"/>
+          <a:blip r:embed="rId8"/>
           <a:stretch>
             <a:fillRect/>
           </a:stretch>
         </p:blipFill>
         <p:spPr>
           <a:xfrm>
-            <a:off x="10668000" y="3771900"/>
+            <a:off x="10866438" y="3947746"/>
             <a:ext cx="5334000" cy="3771900"/>
           </a:xfrm>
           <a:prstGeom prst="rect">
@@ -4211,14 +4440,14 @@
           <p:nvPr/>
         </p:nvPicPr>
         <p:blipFill>
-          <a:blip r:embed="rId8"/>
+          <a:blip r:embed="rId9"/>
           <a:stretch>
             <a:fillRect/>
           </a:stretch>
         </p:blipFill>
         <p:spPr>
           <a:xfrm>
-            <a:off x="0" y="7543800"/>
+            <a:off x="198438" y="7700026"/>
             <a:ext cx="5334000" cy="3771900"/>
           </a:xfrm>
           <a:prstGeom prst="rect">
@@ -4241,14 +4470,14 @@
           <p:nvPr/>
         </p:nvPicPr>
         <p:blipFill>
-          <a:blip r:embed="rId9"/>
+          <a:blip r:embed="rId10"/>
           <a:stretch>
             <a:fillRect/>
           </a:stretch>
         </p:blipFill>
         <p:spPr>
           <a:xfrm>
-            <a:off x="5334000" y="7543800"/>
+            <a:off x="5532438" y="7700026"/>
             <a:ext cx="5334000" cy="3771900"/>
           </a:xfrm>
           <a:prstGeom prst="rect">
@@ -4271,14 +4500,14 @@
           <p:nvPr/>
         </p:nvPicPr>
         <p:blipFill>
-          <a:blip r:embed="rId10"/>
+          <a:blip r:embed="rId11"/>
           <a:stretch>
             <a:fillRect/>
           </a:stretch>
         </p:blipFill>
         <p:spPr>
           <a:xfrm>
-            <a:off x="10668000" y="7543800"/>
+            <a:off x="10866438" y="7700026"/>
             <a:ext cx="5334000" cy="3771900"/>
           </a:xfrm>
           <a:prstGeom prst="rect">
@@ -4300,7 +4529,7 @@
         </p:nvSpPr>
         <p:spPr>
           <a:xfrm>
-            <a:off x="0" y="65055"/>
+            <a:off x="479215" y="195466"/>
             <a:ext cx="934278" cy="400110"/>
           </a:xfrm>
           <a:prstGeom prst="rect">
@@ -4335,7 +4564,7 @@
         </p:nvSpPr>
         <p:spPr>
           <a:xfrm>
-            <a:off x="5421566" y="70208"/>
+            <a:off x="5831738" y="232940"/>
             <a:ext cx="934278" cy="400110"/>
           </a:xfrm>
           <a:prstGeom prst="rect">
@@ -4370,8 +4599,8 @@
         </p:nvSpPr>
         <p:spPr>
           <a:xfrm>
-            <a:off x="10544952" y="82067"/>
-            <a:ext cx="934278" cy="461665"/>
+            <a:off x="11048052" y="241451"/>
+            <a:ext cx="934278" cy="400110"/>
           </a:xfrm>
           <a:prstGeom prst="rect">
             <a:avLst/>
@@ -4385,7 +4614,7 @@
           <a:lstStyle/>
           <a:p>
             <a:r>
-              <a:rPr lang="en-US" sz="2400" b="1" dirty="0"/>
+              <a:rPr lang="en-US" sz="2000" b="1" dirty="0"/>
               <a:t>LEW</a:t>
             </a:r>
           </a:p>
@@ -4405,7 +4634,7 @@
         </p:nvSpPr>
         <p:spPr>
           <a:xfrm>
-            <a:off x="-59635" y="3805315"/>
+            <a:off x="479215" y="3991288"/>
             <a:ext cx="934278" cy="400110"/>
           </a:xfrm>
           <a:prstGeom prst="rect">
@@ -4440,7 +4669,7 @@
         </p:nvSpPr>
         <p:spPr>
           <a:xfrm>
-            <a:off x="-59635" y="7560614"/>
+            <a:off x="463015" y="7723012"/>
             <a:ext cx="934278" cy="400110"/>
           </a:xfrm>
           <a:prstGeom prst="rect">
@@ -4475,7 +4704,7 @@
         </p:nvSpPr>
         <p:spPr>
           <a:xfrm>
-            <a:off x="10564828" y="3832902"/>
+            <a:off x="11131015" y="3991576"/>
             <a:ext cx="934278" cy="400110"/>
           </a:xfrm>
           <a:prstGeom prst="rect">
@@ -4510,7 +4739,7 @@
         </p:nvSpPr>
         <p:spPr>
           <a:xfrm>
-            <a:off x="5282415" y="3837923"/>
+            <a:off x="5793233" y="3969785"/>
             <a:ext cx="934278" cy="400110"/>
           </a:xfrm>
           <a:prstGeom prst="rect">
@@ -4545,7 +4774,7 @@
         </p:nvSpPr>
         <p:spPr>
           <a:xfrm>
-            <a:off x="5143035" y="7613100"/>
+            <a:off x="5818165" y="7694707"/>
             <a:ext cx="1043610" cy="400110"/>
           </a:xfrm>
           <a:prstGeom prst="rect">
@@ -4580,7 +4809,7 @@
         </p:nvSpPr>
         <p:spPr>
           <a:xfrm>
-            <a:off x="10221698" y="7624764"/>
+            <a:off x="11152165" y="7743856"/>
             <a:ext cx="1178018" cy="400110"/>
           </a:xfrm>
           <a:prstGeom prst="rect">
@@ -4597,6 +4826,136 @@
             <a:r>
               <a:rPr lang="en-US" sz="2000" b="1" dirty="0"/>
               <a:t>MOR.SN</a:t>
+            </a:r>
+          </a:p>
+        </p:txBody>
+      </p:sp>
+      <p:pic>
+        <p:nvPicPr>
+          <p:cNvPr id="4" name="Picture 3">
+            <a:extLst>
+              <a:ext uri="{FF2B5EF4-FFF2-40B4-BE49-F238E27FC236}">
+                <a16:creationId xmlns:a16="http://schemas.microsoft.com/office/drawing/2014/main" id="{B69891DC-9696-7B45-82FD-1B6D6DA9C469}"/>
+              </a:ext>
+            </a:extLst>
+          </p:cNvPr>
+          <p:cNvPicPr>
+            <a:picLocks noChangeAspect="1"/>
+          </p:cNvPicPr>
+          <p:nvPr/>
+        </p:nvPicPr>
+        <p:blipFill>
+          <a:blip r:embed="rId12"/>
+          <a:stretch>
+            <a:fillRect/>
+          </a:stretch>
+        </p:blipFill>
+        <p:spPr>
+          <a:xfrm>
+            <a:off x="2845444" y="11789607"/>
+            <a:ext cx="5281763" cy="3736800"/>
+          </a:xfrm>
+          <a:prstGeom prst="rect">
+            <a:avLst/>
+          </a:prstGeom>
+        </p:spPr>
+      </p:pic>
+      <p:pic>
+        <p:nvPicPr>
+          <p:cNvPr id="8" name="Picture 7">
+            <a:extLst>
+              <a:ext uri="{FF2B5EF4-FFF2-40B4-BE49-F238E27FC236}">
+                <a16:creationId xmlns:a16="http://schemas.microsoft.com/office/drawing/2014/main" id="{B70757A5-BFE5-3842-83FB-AABF5CACEF94}"/>
+              </a:ext>
+            </a:extLst>
+          </p:cNvPr>
+          <p:cNvPicPr>
+            <a:picLocks noChangeAspect="1"/>
+          </p:cNvPicPr>
+          <p:nvPr/>
+        </p:nvPicPr>
+        <p:blipFill>
+          <a:blip r:embed="rId13"/>
+          <a:stretch>
+            <a:fillRect/>
+          </a:stretch>
+        </p:blipFill>
+        <p:spPr>
+          <a:xfrm>
+            <a:off x="8278635" y="11789607"/>
+            <a:ext cx="5281763" cy="3736800"/>
+          </a:xfrm>
+          <a:prstGeom prst="rect">
+            <a:avLst/>
+          </a:prstGeom>
+        </p:spPr>
+      </p:pic>
+      <p:sp>
+        <p:nvSpPr>
+          <p:cNvPr id="31" name="TextBox 30">
+            <a:extLst>
+              <a:ext uri="{FF2B5EF4-FFF2-40B4-BE49-F238E27FC236}">
+                <a16:creationId xmlns:a16="http://schemas.microsoft.com/office/drawing/2014/main" id="{12F5CEDE-76D3-9344-A88F-BEF09C182BD3}"/>
+              </a:ext>
+            </a:extLst>
+          </p:cNvPr>
+          <p:cNvSpPr txBox="1"/>
+          <p:nvPr/>
+        </p:nvSpPr>
+        <p:spPr>
+          <a:xfrm>
+            <a:off x="3130015" y="11686101"/>
+            <a:ext cx="934278" cy="400110"/>
+          </a:xfrm>
+          <a:prstGeom prst="rect">
+            <a:avLst/>
+          </a:prstGeom>
+          <a:noFill/>
+        </p:spPr>
+        <p:txBody>
+          <a:bodyPr wrap="square" rtlCol="0">
+            <a:spAutoFit/>
+          </a:bodyPr>
+          <a:lstStyle/>
+          <a:p>
+            <a:r>
+              <a:rPr lang="en-US" sz="2000" b="1" dirty="0"/>
+              <a:t>BOT1</a:t>
+            </a:r>
+          </a:p>
+        </p:txBody>
+      </p:sp>
+      <p:sp>
+        <p:nvSpPr>
+          <p:cNvPr id="32" name="TextBox 31">
+            <a:extLst>
+              <a:ext uri="{FF2B5EF4-FFF2-40B4-BE49-F238E27FC236}">
+                <a16:creationId xmlns:a16="http://schemas.microsoft.com/office/drawing/2014/main" id="{6867145F-D0CD-A048-B24D-6CEAAF95B475}"/>
+              </a:ext>
+            </a:extLst>
+          </p:cNvPr>
+          <p:cNvSpPr txBox="1"/>
+          <p:nvPr/>
+        </p:nvSpPr>
+        <p:spPr>
+          <a:xfrm>
+            <a:off x="8610553" y="11686101"/>
+            <a:ext cx="934278" cy="400110"/>
+          </a:xfrm>
+          <a:prstGeom prst="rect">
+            <a:avLst/>
+          </a:prstGeom>
+          <a:noFill/>
+        </p:spPr>
+        <p:txBody>
+          <a:bodyPr wrap="square" rtlCol="0">
+            <a:spAutoFit/>
+          </a:bodyPr>
+          <a:lstStyle/>
+          <a:p>
+            <a:r>
+              <a:rPr lang="en-US" sz="2000" b="1" dirty="0"/>
+              <a:t>BOT2</a:t>
             </a:r>
           </a:p>
         </p:txBody>
